--- a/Unit 8 and 9 Case Study 1/EDA Slide Deck.pptx
+++ b/Unit 8 and 9 Case Study 1/EDA Slide Deck.pptx
@@ -217,7 +217,7 @@
           <a:p>
             <a:fld id="{AF3F099B-EF83-4692-966C-FF417F917910}" type="datetimeFigureOut">
               <a:rPr lang="en-US" smtClean="0"/>
-              <a:t>6/21/2020</a:t>
+              <a:t>6/22/2020</a:t>
             </a:fld>
             <a:endParaRPr lang="en-US"/>
           </a:p>
@@ -4217,7 +4217,7 @@
         <p:spPr>
           <a:xfrm>
             <a:off x="457200" y="1371600"/>
-            <a:ext cx="8229600" cy="1477328"/>
+            <a:ext cx="8229600" cy="1569660"/>
           </a:xfrm>
           <a:prstGeom prst="rect">
             <a:avLst/>
@@ -4231,28 +4231,28 @@
           <a:lstStyle/>
           <a:p>
             <a:r>
-              <a:rPr lang="en-US" dirty="0"/>
-              <a:t>Breweries are making higher % ABV beers with higher IBU. </a:t>
-            </a:r>
-          </a:p>
-          <a:p>
-            <a:endParaRPr lang="en-US" dirty="0"/>
-          </a:p>
-          <a:p>
-            <a:r>
-              <a:rPr lang="en-US" dirty="0"/>
+              <a:rPr lang="en-US" sz="1600" dirty="0"/>
+              <a:t>There is an increasing linear trend showing that as breweries are making higher % ABV beers, IBU is also higher.</a:t>
+            </a:r>
+          </a:p>
+          <a:p>
+            <a:endParaRPr lang="en-US" sz="1600" dirty="0"/>
+          </a:p>
+          <a:p>
+            <a:r>
+              <a:rPr lang="en-US" sz="1600" dirty="0"/>
               <a:t>Values are not interdependent:</a:t>
             </a:r>
           </a:p>
           <a:p>
             <a:r>
-              <a:rPr lang="en-US" dirty="0"/>
+              <a:rPr lang="en-US" sz="1600" dirty="0"/>
               <a:t>	% ABV is determined by yeast amount and time to ferment</a:t>
             </a:r>
           </a:p>
           <a:p>
             <a:r>
-              <a:rPr lang="en-US" dirty="0"/>
+              <a:rPr lang="en-US" sz="1600" dirty="0"/>
               <a:t>	IBU is a result of quantity/type of hops</a:t>
             </a:r>
           </a:p>

--- a/Unit 8 and 9 Case Study 1/EDA Slide Deck.pptx
+++ b/Unit 8 and 9 Case Study 1/EDA Slide Deck.pptx
@@ -4079,36 +4079,6 @@
           </a:p>
         </p:txBody>
       </p:sp>
-      <p:pic>
-        <p:nvPicPr>
-          <p:cNvPr id="7" name="Picture 6">
-            <a:extLst>
-              <a:ext uri="{FF2B5EF4-FFF2-40B4-BE49-F238E27FC236}">
-                <a16:creationId xmlns:a16="http://schemas.microsoft.com/office/drawing/2014/main" id="{453EB287-9035-442C-920D-589F11DE39F1}"/>
-              </a:ext>
-            </a:extLst>
-          </p:cNvPr>
-          <p:cNvPicPr>
-            <a:picLocks noChangeAspect="1"/>
-          </p:cNvPicPr>
-          <p:nvPr/>
-        </p:nvPicPr>
-        <p:blipFill>
-          <a:blip r:embed="rId3"/>
-          <a:stretch>
-            <a:fillRect/>
-          </a:stretch>
-        </p:blipFill>
-        <p:spPr>
-          <a:xfrm>
-            <a:off x="0" y="1752998"/>
-            <a:ext cx="9144000" cy="4876402"/>
-          </a:xfrm>
-          <a:prstGeom prst="rect">
-            <a:avLst/>
-          </a:prstGeom>
-        </p:spPr>
-      </p:pic>
       <p:sp>
         <p:nvSpPr>
           <p:cNvPr id="8" name="TextBox 7">
@@ -4144,6 +4114,35 @@
           </a:p>
         </p:txBody>
       </p:sp>
+      <p:pic>
+        <p:nvPicPr>
+          <p:cNvPr id="3" name="Picture 2">
+            <a:extLst>
+              <a:ext uri="{FF2B5EF4-FFF2-40B4-BE49-F238E27FC236}">
+                <a16:creationId xmlns:a16="http://schemas.microsoft.com/office/drawing/2014/main" id="{E2E9489A-3820-4065-9C3D-8ABF72276B70}"/>
+              </a:ext>
+            </a:extLst>
+          </p:cNvPr>
+          <p:cNvPicPr>
+            <a:picLocks noChangeAspect="1"/>
+          </p:cNvPicPr>
+          <p:nvPr/>
+        </p:nvPicPr>
+        <p:blipFill rotWithShape="1">
+          <a:blip r:embed="rId3"/>
+          <a:srcRect r="1237"/>
+          <a:stretch/>
+        </p:blipFill>
+        <p:spPr>
+          <a:xfrm>
+            <a:off x="37708" y="1811756"/>
+            <a:ext cx="9030878" cy="4686213"/>
+          </a:xfrm>
+          <a:prstGeom prst="rect">
+            <a:avLst/>
+          </a:prstGeom>
+        </p:spPr>
+      </p:pic>
     </p:spTree>
     <p:extLst>
       <p:ext uri="{BB962C8B-B14F-4D97-AF65-F5344CB8AC3E}">
@@ -4217,7 +4216,7 @@
         <p:spPr>
           <a:xfrm>
             <a:off x="457200" y="1371600"/>
-            <a:ext cx="8229600" cy="1569660"/>
+            <a:ext cx="8229600" cy="1477328"/>
           </a:xfrm>
           <a:prstGeom prst="rect">
             <a:avLst/>
@@ -4231,28 +4230,28 @@
           <a:lstStyle/>
           <a:p>
             <a:r>
-              <a:rPr lang="en-US" sz="1600" dirty="0"/>
-              <a:t>There is an increasing linear trend showing that as breweries are making higher % ABV beers, IBU is also higher.</a:t>
-            </a:r>
-          </a:p>
-          <a:p>
-            <a:endParaRPr lang="en-US" sz="1600" dirty="0"/>
-          </a:p>
-          <a:p>
-            <a:r>
-              <a:rPr lang="en-US" sz="1600" dirty="0"/>
+              <a:rPr lang="en-US" dirty="0"/>
+              <a:t>Breweries are making higher % ABV beers with higher IBU. </a:t>
+            </a:r>
+          </a:p>
+          <a:p>
+            <a:endParaRPr lang="en-US" dirty="0"/>
+          </a:p>
+          <a:p>
+            <a:r>
+              <a:rPr lang="en-US" dirty="0"/>
               <a:t>Values are not interdependent:</a:t>
             </a:r>
           </a:p>
           <a:p>
             <a:r>
-              <a:rPr lang="en-US" sz="1600" dirty="0"/>
+              <a:rPr lang="en-US" dirty="0"/>
               <a:t>	% ABV is determined by yeast amount and time to ferment</a:t>
             </a:r>
           </a:p>
           <a:p>
             <a:r>
-              <a:rPr lang="en-US" sz="1600" dirty="0"/>
+              <a:rPr lang="en-US" dirty="0"/>
               <a:t>	IBU is a result of quantity/type of hops</a:t>
             </a:r>
           </a:p>

--- a/Unit 8 and 9 Case Study 1/EDA Slide Deck.pptx
+++ b/Unit 8 and 9 Case Study 1/EDA Slide Deck.pptx
@@ -5,18 +5,20 @@
     <p:sldMasterId id="2147483672" r:id="rId1"/>
   </p:sldMasterIdLst>
   <p:notesMasterIdLst>
-    <p:notesMasterId r:id="rId11"/>
+    <p:notesMasterId r:id="rId13"/>
   </p:notesMasterIdLst>
   <p:sldIdLst>
     <p:sldId id="580" r:id="rId2"/>
-    <p:sldId id="616" r:id="rId3"/>
-    <p:sldId id="617" r:id="rId4"/>
-    <p:sldId id="619" r:id="rId5"/>
+    <p:sldId id="617" r:id="rId3"/>
+    <p:sldId id="619" r:id="rId4"/>
+    <p:sldId id="616" r:id="rId5"/>
     <p:sldId id="618" r:id="rId6"/>
     <p:sldId id="620" r:id="rId7"/>
     <p:sldId id="621" r:id="rId8"/>
     <p:sldId id="622" r:id="rId9"/>
-    <p:sldId id="623" r:id="rId10"/>
+    <p:sldId id="624" r:id="rId10"/>
+    <p:sldId id="625" r:id="rId11"/>
+    <p:sldId id="623" r:id="rId12"/>
   </p:sldIdLst>
   <p:sldSz cx="9144000" cy="6858000" type="screen4x3"/>
   <p:notesSz cx="6858000" cy="9144000"/>
@@ -217,7 +219,7 @@
           <a:p>
             <a:fld id="{AF3F099B-EF83-4692-966C-FF417F917910}" type="datetimeFigureOut">
               <a:rPr lang="en-US" smtClean="0"/>
-              <a:t>6/22/2020</a:t>
+              <a:t>7/1/2020</a:t>
             </a:fld>
             <a:endParaRPr lang="en-US"/>
           </a:p>
@@ -623,7 +625,7 @@
           <a:p>
             <a:fld id="{03E9FA41-F0FC-4798-8941-B8493B1593D5}" type="slidenum">
               <a:rPr lang="en-US" smtClean="0"/>
-              <a:t>3</a:t>
+              <a:t>2</a:t>
             </a:fld>
             <a:endParaRPr lang="en-US"/>
           </a:p>
@@ -781,7 +783,7 @@
           <a:p>
             <a:fld id="{03E9FA41-F0FC-4798-8941-B8493B1593D5}" type="slidenum">
               <a:rPr lang="en-US" smtClean="0"/>
-              <a:t>4</a:t>
+              <a:t>3</a:t>
             </a:fld>
             <a:endParaRPr lang="en-US"/>
           </a:p>
@@ -962,6 +964,174 @@
     <p:extLst>
       <p:ext uri="{BB962C8B-B14F-4D97-AF65-F5344CB8AC3E}">
         <p14:creationId xmlns:p14="http://schemas.microsoft.com/office/powerpoint/2010/main" val="1562861986"/>
+      </p:ext>
+    </p:extLst>
+  </p:cSld>
+  <p:clrMapOvr>
+    <a:masterClrMapping/>
+  </p:clrMapOvr>
+</p:notes>
+</file>
+
+<file path=ppt/notesSlides/notesSlide5.xml><?xml version="1.0" encoding="utf-8"?>
+<p:notes xmlns:a="http://schemas.openxmlformats.org/drawingml/2006/main" xmlns:r="http://schemas.openxmlformats.org/officeDocument/2006/relationships" xmlns:p="http://schemas.openxmlformats.org/presentationml/2006/main">
+  <p:cSld>
+    <p:spTree>
+      <p:nvGrpSpPr>
+        <p:cNvPr id="1" name=""/>
+        <p:cNvGrpSpPr/>
+        <p:nvPr/>
+      </p:nvGrpSpPr>
+      <p:grpSpPr>
+        <a:xfrm>
+          <a:off x="0" y="0"/>
+          <a:ext cx="0" cy="0"/>
+          <a:chOff x="0" y="0"/>
+          <a:chExt cx="0" cy="0"/>
+        </a:xfrm>
+      </p:grpSpPr>
+      <p:sp>
+        <p:nvSpPr>
+          <p:cNvPr id="2" name="Slide Image Placeholder 1"/>
+          <p:cNvSpPr>
+            <a:spLocks noGrp="1" noRot="1" noChangeAspect="1"/>
+          </p:cNvSpPr>
+          <p:nvPr>
+            <p:ph type="sldImg"/>
+          </p:nvPr>
+        </p:nvSpPr>
+        <p:spPr/>
+      </p:sp>
+      <p:sp>
+        <p:nvSpPr>
+          <p:cNvPr id="3" name="Notes Placeholder 2"/>
+          <p:cNvSpPr>
+            <a:spLocks noGrp="1"/>
+          </p:cNvSpPr>
+          <p:nvPr>
+            <p:ph type="body" idx="1"/>
+          </p:nvPr>
+        </p:nvSpPr>
+        <p:spPr/>
+        <p:txBody>
+          <a:bodyPr/>
+          <a:lstStyle/>
+          <a:p>
+            <a:endParaRPr lang="en-US" dirty="0"/>
+          </a:p>
+        </p:txBody>
+      </p:sp>
+      <p:sp>
+        <p:nvSpPr>
+          <p:cNvPr id="4" name="Slide Number Placeholder 3"/>
+          <p:cNvSpPr>
+            <a:spLocks noGrp="1"/>
+          </p:cNvSpPr>
+          <p:nvPr>
+            <p:ph type="sldNum" sz="quarter" idx="5"/>
+          </p:nvPr>
+        </p:nvSpPr>
+        <p:spPr/>
+        <p:txBody>
+          <a:bodyPr/>
+          <a:lstStyle/>
+          <a:p>
+            <a:fld id="{03E9FA41-F0FC-4798-8941-B8493B1593D5}" type="slidenum">
+              <a:rPr lang="en-US" smtClean="0"/>
+              <a:t>9</a:t>
+            </a:fld>
+            <a:endParaRPr lang="en-US"/>
+          </a:p>
+        </p:txBody>
+      </p:sp>
+    </p:spTree>
+    <p:extLst>
+      <p:ext uri="{BB962C8B-B14F-4D97-AF65-F5344CB8AC3E}">
+        <p14:creationId xmlns:p14="http://schemas.microsoft.com/office/powerpoint/2010/main" val="3992600160"/>
+      </p:ext>
+    </p:extLst>
+  </p:cSld>
+  <p:clrMapOvr>
+    <a:masterClrMapping/>
+  </p:clrMapOvr>
+</p:notes>
+</file>
+
+<file path=ppt/notesSlides/notesSlide6.xml><?xml version="1.0" encoding="utf-8"?>
+<p:notes xmlns:a="http://schemas.openxmlformats.org/drawingml/2006/main" xmlns:r="http://schemas.openxmlformats.org/officeDocument/2006/relationships" xmlns:p="http://schemas.openxmlformats.org/presentationml/2006/main">
+  <p:cSld>
+    <p:spTree>
+      <p:nvGrpSpPr>
+        <p:cNvPr id="1" name=""/>
+        <p:cNvGrpSpPr/>
+        <p:nvPr/>
+      </p:nvGrpSpPr>
+      <p:grpSpPr>
+        <a:xfrm>
+          <a:off x="0" y="0"/>
+          <a:ext cx="0" cy="0"/>
+          <a:chOff x="0" y="0"/>
+          <a:chExt cx="0" cy="0"/>
+        </a:xfrm>
+      </p:grpSpPr>
+      <p:sp>
+        <p:nvSpPr>
+          <p:cNvPr id="2" name="Slide Image Placeholder 1"/>
+          <p:cNvSpPr>
+            <a:spLocks noGrp="1" noRot="1" noChangeAspect="1"/>
+          </p:cNvSpPr>
+          <p:nvPr>
+            <p:ph type="sldImg"/>
+          </p:nvPr>
+        </p:nvSpPr>
+        <p:spPr/>
+      </p:sp>
+      <p:sp>
+        <p:nvSpPr>
+          <p:cNvPr id="3" name="Notes Placeholder 2"/>
+          <p:cNvSpPr>
+            <a:spLocks noGrp="1"/>
+          </p:cNvSpPr>
+          <p:nvPr>
+            <p:ph type="body" idx="1"/>
+          </p:nvPr>
+        </p:nvSpPr>
+        <p:spPr/>
+        <p:txBody>
+          <a:bodyPr/>
+          <a:lstStyle/>
+          <a:p>
+            <a:endParaRPr lang="en-US" dirty="0"/>
+          </a:p>
+        </p:txBody>
+      </p:sp>
+      <p:sp>
+        <p:nvSpPr>
+          <p:cNvPr id="4" name="Slide Number Placeholder 3"/>
+          <p:cNvSpPr>
+            <a:spLocks noGrp="1"/>
+          </p:cNvSpPr>
+          <p:nvPr>
+            <p:ph type="sldNum" sz="quarter" idx="5"/>
+          </p:nvPr>
+        </p:nvSpPr>
+        <p:spPr/>
+        <p:txBody>
+          <a:bodyPr/>
+          <a:lstStyle/>
+          <a:p>
+            <a:fld id="{03E9FA41-F0FC-4798-8941-B8493B1593D5}" type="slidenum">
+              <a:rPr lang="en-US" smtClean="0"/>
+              <a:t>10</a:t>
+            </a:fld>
+            <a:endParaRPr lang="en-US"/>
+          </a:p>
+        </p:txBody>
+      </p:sp>
+    </p:spTree>
+    <p:extLst>
+      <p:ext uri="{BB962C8B-B14F-4D97-AF65-F5344CB8AC3E}">
+        <p14:creationId xmlns:p14="http://schemas.microsoft.com/office/powerpoint/2010/main" val="2449783006"/>
       </p:ext>
     </p:extLst>
   </p:cSld>
@@ -3203,6 +3373,403 @@
 </p:sld>
 </file>
 
+<file path=ppt/slides/slide10.xml><?xml version="1.0" encoding="utf-8"?>
+<p:sld xmlns:a="http://schemas.openxmlformats.org/drawingml/2006/main" xmlns:r="http://schemas.openxmlformats.org/officeDocument/2006/relationships" xmlns:p="http://schemas.openxmlformats.org/presentationml/2006/main">
+  <p:cSld>
+    <p:spTree>
+      <p:nvGrpSpPr>
+        <p:cNvPr id="1" name=""/>
+        <p:cNvGrpSpPr/>
+        <p:nvPr/>
+      </p:nvGrpSpPr>
+      <p:grpSpPr>
+        <a:xfrm>
+          <a:off x="0" y="0"/>
+          <a:ext cx="0" cy="0"/>
+          <a:chOff x="0" y="0"/>
+          <a:chExt cx="0" cy="0"/>
+        </a:xfrm>
+      </p:grpSpPr>
+      <p:sp>
+        <p:nvSpPr>
+          <p:cNvPr id="2" name="Title 1">
+            <a:extLst>
+              <a:ext uri="{FF2B5EF4-FFF2-40B4-BE49-F238E27FC236}">
+                <a16:creationId xmlns:a16="http://schemas.microsoft.com/office/drawing/2014/main" id="{5B931770-76C9-F749-9B7D-08A4A1F13896}"/>
+              </a:ext>
+            </a:extLst>
+          </p:cNvPr>
+          <p:cNvSpPr>
+            <a:spLocks noGrp="1"/>
+          </p:cNvSpPr>
+          <p:nvPr>
+            <p:ph type="title"/>
+          </p:nvPr>
+        </p:nvSpPr>
+        <p:spPr>
+          <a:xfrm>
+            <a:off x="457200" y="228599"/>
+            <a:ext cx="8229600" cy="1047641"/>
+          </a:xfrm>
+        </p:spPr>
+        <p:txBody>
+          <a:bodyPr/>
+          <a:lstStyle/>
+          <a:p>
+            <a:r>
+              <a:rPr lang="en-US" sz="3200" dirty="0"/>
+              <a:t>Correlation Between % ABV &amp; IBU</a:t>
+            </a:r>
+          </a:p>
+        </p:txBody>
+      </p:sp>
+      <p:sp>
+        <p:nvSpPr>
+          <p:cNvPr id="64" name="TextBox 63">
+            <a:extLst>
+              <a:ext uri="{FF2B5EF4-FFF2-40B4-BE49-F238E27FC236}">
+                <a16:creationId xmlns:a16="http://schemas.microsoft.com/office/drawing/2014/main" id="{7EEBF988-27FF-4B8C-886D-21437243F97A}"/>
+              </a:ext>
+            </a:extLst>
+          </p:cNvPr>
+          <p:cNvSpPr txBox="1"/>
+          <p:nvPr/>
+        </p:nvSpPr>
+        <p:spPr>
+          <a:xfrm>
+            <a:off x="2887952" y="4036961"/>
+            <a:ext cx="3368096" cy="1415772"/>
+          </a:xfrm>
+          <a:prstGeom prst="rect">
+            <a:avLst/>
+          </a:prstGeom>
+          <a:noFill/>
+        </p:spPr>
+        <p:txBody>
+          <a:bodyPr wrap="square" rtlCol="0">
+            <a:spAutoFit/>
+          </a:bodyPr>
+          <a:lstStyle/>
+          <a:p>
+            <a:r>
+              <a:rPr lang="en-US" sz="1400" u="sng" dirty="0"/>
+              <a:t>What this means:</a:t>
+            </a:r>
+          </a:p>
+          <a:p>
+            <a:r>
+              <a:rPr lang="en-US" sz="1200" dirty="0"/>
+              <a:t>There is overwhelming evidence that ABV and IBU are linearly correlated (p-value = &lt;.0001). </a:t>
+            </a:r>
+          </a:p>
+          <a:p>
+            <a:endParaRPr lang="en-US" sz="1200" dirty="0"/>
+          </a:p>
+          <a:p>
+            <a:r>
+              <a:rPr lang="en-US" sz="1200" dirty="0"/>
+              <a:t>The Coefficient of Determination is .596, which means that IBU explains about 60% of the variation of ABV.</a:t>
+            </a:r>
+          </a:p>
+        </p:txBody>
+      </p:sp>
+      <p:pic>
+        <p:nvPicPr>
+          <p:cNvPr id="3" name="Picture 2">
+            <a:extLst>
+              <a:ext uri="{FF2B5EF4-FFF2-40B4-BE49-F238E27FC236}">
+                <a16:creationId xmlns:a16="http://schemas.microsoft.com/office/drawing/2014/main" id="{50325D24-9678-4459-9655-D85B179425D7}"/>
+              </a:ext>
+            </a:extLst>
+          </p:cNvPr>
+          <p:cNvPicPr>
+            <a:picLocks noChangeAspect="1"/>
+          </p:cNvPicPr>
+          <p:nvPr/>
+        </p:nvPicPr>
+        <p:blipFill>
+          <a:blip r:embed="rId3"/>
+          <a:stretch>
+            <a:fillRect/>
+          </a:stretch>
+        </p:blipFill>
+        <p:spPr>
+          <a:xfrm>
+            <a:off x="457200" y="1831730"/>
+            <a:ext cx="5806202" cy="1931377"/>
+          </a:xfrm>
+          <a:prstGeom prst="rect">
+            <a:avLst/>
+          </a:prstGeom>
+        </p:spPr>
+      </p:pic>
+      <p:sp>
+        <p:nvSpPr>
+          <p:cNvPr id="17" name="Rectangle 16">
+            <a:extLst>
+              <a:ext uri="{FF2B5EF4-FFF2-40B4-BE49-F238E27FC236}">
+                <a16:creationId xmlns:a16="http://schemas.microsoft.com/office/drawing/2014/main" id="{1ECAE68E-8650-4CD7-9516-91762A5D6E8C}"/>
+              </a:ext>
+            </a:extLst>
+          </p:cNvPr>
+          <p:cNvSpPr/>
+          <p:nvPr/>
+        </p:nvSpPr>
+        <p:spPr>
+          <a:xfrm>
+            <a:off x="457200" y="3347286"/>
+            <a:ext cx="1019908" cy="369886"/>
+          </a:xfrm>
+          <a:prstGeom prst="rect">
+            <a:avLst/>
+          </a:prstGeom>
+          <a:noFill/>
+          <a:ln>
+            <a:solidFill>
+              <a:srgbClr val="FFC000"/>
+            </a:solidFill>
+          </a:ln>
+        </p:spPr>
+        <p:style>
+          <a:lnRef idx="2">
+            <a:schemeClr val="accent1">
+              <a:shade val="50000"/>
+            </a:schemeClr>
+          </a:lnRef>
+          <a:fillRef idx="1">
+            <a:schemeClr val="accent1"/>
+          </a:fillRef>
+          <a:effectRef idx="0">
+            <a:schemeClr val="accent1"/>
+          </a:effectRef>
+          <a:fontRef idx="minor">
+            <a:schemeClr val="lt1"/>
+          </a:fontRef>
+        </p:style>
+        <p:txBody>
+          <a:bodyPr rtlCol="0" anchor="ctr"/>
+          <a:lstStyle/>
+          <a:p>
+            <a:pPr algn="ctr"/>
+            <a:endParaRPr lang="en-US"/>
+          </a:p>
+        </p:txBody>
+      </p:sp>
+      <p:sp>
+        <p:nvSpPr>
+          <p:cNvPr id="18" name="Rectangle 17">
+            <a:extLst>
+              <a:ext uri="{FF2B5EF4-FFF2-40B4-BE49-F238E27FC236}">
+                <a16:creationId xmlns:a16="http://schemas.microsoft.com/office/drawing/2014/main" id="{372D2FF5-977B-456E-9E43-66E84F86973A}"/>
+              </a:ext>
+            </a:extLst>
+          </p:cNvPr>
+          <p:cNvSpPr/>
+          <p:nvPr/>
+        </p:nvSpPr>
+        <p:spPr>
+          <a:xfrm>
+            <a:off x="2702169" y="2426677"/>
+            <a:ext cx="1720362" cy="194388"/>
+          </a:xfrm>
+          <a:prstGeom prst="rect">
+            <a:avLst/>
+          </a:prstGeom>
+          <a:noFill/>
+          <a:ln>
+            <a:solidFill>
+              <a:srgbClr val="FFC000"/>
+            </a:solidFill>
+          </a:ln>
+        </p:spPr>
+        <p:style>
+          <a:lnRef idx="2">
+            <a:schemeClr val="accent1">
+              <a:shade val="50000"/>
+            </a:schemeClr>
+          </a:lnRef>
+          <a:fillRef idx="1">
+            <a:schemeClr val="accent1"/>
+          </a:fillRef>
+          <a:effectRef idx="0">
+            <a:schemeClr val="accent1"/>
+          </a:effectRef>
+          <a:fontRef idx="minor">
+            <a:schemeClr val="lt1"/>
+          </a:fontRef>
+        </p:style>
+        <p:txBody>
+          <a:bodyPr rtlCol="0" anchor="ctr"/>
+          <a:lstStyle/>
+          <a:p>
+            <a:pPr algn="ctr"/>
+            <a:endParaRPr lang="en-US"/>
+          </a:p>
+        </p:txBody>
+      </p:sp>
+    </p:spTree>
+    <p:extLst>
+      <p:ext uri="{BB962C8B-B14F-4D97-AF65-F5344CB8AC3E}">
+        <p14:creationId xmlns:p14="http://schemas.microsoft.com/office/powerpoint/2010/main" val="1228702839"/>
+      </p:ext>
+    </p:extLst>
+  </p:cSld>
+  <p:clrMapOvr>
+    <a:masterClrMapping/>
+  </p:clrMapOvr>
+</p:sld>
+</file>
+
+<file path=ppt/slides/slide11.xml><?xml version="1.0" encoding="utf-8"?>
+<p:sld xmlns:a="http://schemas.openxmlformats.org/drawingml/2006/main" xmlns:r="http://schemas.openxmlformats.org/officeDocument/2006/relationships" xmlns:p="http://schemas.openxmlformats.org/presentationml/2006/main">
+  <p:cSld>
+    <p:spTree>
+      <p:nvGrpSpPr>
+        <p:cNvPr id="1" name=""/>
+        <p:cNvGrpSpPr/>
+        <p:nvPr/>
+      </p:nvGrpSpPr>
+      <p:grpSpPr>
+        <a:xfrm>
+          <a:off x="0" y="0"/>
+          <a:ext cx="0" cy="0"/>
+          <a:chOff x="0" y="0"/>
+          <a:chExt cx="0" cy="0"/>
+        </a:xfrm>
+      </p:grpSpPr>
+      <p:sp>
+        <p:nvSpPr>
+          <p:cNvPr id="2" name="Title 1">
+            <a:extLst>
+              <a:ext uri="{FF2B5EF4-FFF2-40B4-BE49-F238E27FC236}">
+                <a16:creationId xmlns:a16="http://schemas.microsoft.com/office/drawing/2014/main" id="{E35C5164-77DA-41AB-9F46-BFE0C7FD3975}"/>
+              </a:ext>
+            </a:extLst>
+          </p:cNvPr>
+          <p:cNvSpPr>
+            <a:spLocks noGrp="1"/>
+          </p:cNvSpPr>
+          <p:nvPr>
+            <p:ph type="title"/>
+          </p:nvPr>
+        </p:nvSpPr>
+        <p:spPr/>
+        <p:txBody>
+          <a:bodyPr/>
+          <a:lstStyle/>
+          <a:p>
+            <a:r>
+              <a:rPr lang="en-US" dirty="0"/>
+              <a:t>Citations</a:t>
+            </a:r>
+          </a:p>
+        </p:txBody>
+      </p:sp>
+      <p:sp>
+        <p:nvSpPr>
+          <p:cNvPr id="3" name="Content Placeholder 2">
+            <a:extLst>
+              <a:ext uri="{FF2B5EF4-FFF2-40B4-BE49-F238E27FC236}">
+                <a16:creationId xmlns:a16="http://schemas.microsoft.com/office/drawing/2014/main" id="{D26F6226-E46A-457D-9DED-55FBC63056AC}"/>
+              </a:ext>
+            </a:extLst>
+          </p:cNvPr>
+          <p:cNvSpPr>
+            <a:spLocks noGrp="1"/>
+          </p:cNvSpPr>
+          <p:nvPr>
+            <p:ph idx="1"/>
+          </p:nvPr>
+        </p:nvSpPr>
+        <p:spPr/>
+        <p:txBody>
+          <a:bodyPr/>
+          <a:lstStyle/>
+          <a:p>
+            <a:r>
+              <a:rPr lang="en-US" sz="1800" dirty="0"/>
+              <a:t>The Untappd Team (n.d.). </a:t>
+            </a:r>
+            <a:r>
+              <a:rPr lang="en-US" sz="1800" dirty="0" err="1"/>
+              <a:t>OktoberFiesta</a:t>
+            </a:r>
+            <a:r>
+              <a:rPr lang="en-US" sz="1800" dirty="0"/>
+              <a:t> - Freetail Brewing Co. Retrieved 	from https://untappd.com/b/freetail-brewing-co-oktoberfiesta/79567</a:t>
+            </a:r>
+          </a:p>
+          <a:p>
+            <a:r>
+              <a:rPr lang="en-US" sz="1800" dirty="0"/>
+              <a:t>The Untappd Team (n.d.). Kilt Lifter - Four Peaks Brewing Company. 	Retrieved from https://untappd.com/b/four-peaks-brewing-company-	kilt-lifter/4055 </a:t>
+            </a:r>
+          </a:p>
+          <a:p>
+            <a:r>
+              <a:rPr lang="en-US" sz="1800" dirty="0"/>
+              <a:t>The Untappd Team (n.d.). Golden Frau - Thunderhead Brewing. Retrieved 	from https://untappd.com/b/thunderhead-brewing-golden-frau/38392</a:t>
+            </a:r>
+          </a:p>
+          <a:p>
+            <a:r>
+              <a:rPr lang="en-US" sz="1800" dirty="0"/>
+              <a:t>The Untappd Team (n.d.). Southern Cross Belgian Double Red Ale - Hawai’i 	Nui Brewing. Retrieved from https://untappd.com/b/hawai-i-nui-	brewing-southern-cross-</a:t>
+            </a:r>
+            <a:r>
+              <a:rPr lang="en-US" sz="1800" dirty="0" err="1"/>
+              <a:t>belgian</a:t>
+            </a:r>
+            <a:r>
+              <a:rPr lang="en-US" sz="1800" dirty="0"/>
+              <a:t>-double-red-ale/29698</a:t>
+            </a:r>
+          </a:p>
+          <a:p>
+            <a:r>
+              <a:rPr lang="en-US" sz="1800" dirty="0"/>
+              <a:t>The Untappd Team (n.d.). Weiss </a:t>
+            </a:r>
+            <a:r>
+              <a:rPr lang="en-US" sz="1800" dirty="0" err="1"/>
+              <a:t>Weiss</a:t>
+            </a:r>
+            <a:r>
+              <a:rPr lang="en-US" sz="1800" dirty="0"/>
+              <a:t> Baby - Figueroa Mountain Brewing 	Co. Retrieved from https://untappd.com/b/figueroa-mountain-brewing-	co-</a:t>
+            </a:r>
+            <a:r>
+              <a:rPr lang="en-US" sz="1800" dirty="0" err="1"/>
+              <a:t>weiss</a:t>
+            </a:r>
+            <a:r>
+              <a:rPr lang="en-US" sz="1800" dirty="0"/>
+              <a:t>-</a:t>
+            </a:r>
+            <a:r>
+              <a:rPr lang="en-US" sz="1800" dirty="0" err="1"/>
+              <a:t>weiss</a:t>
+            </a:r>
+            <a:r>
+              <a:rPr lang="en-US" sz="1800" dirty="0"/>
+              <a:t>-baby/1043342</a:t>
+            </a:r>
+          </a:p>
+        </p:txBody>
+      </p:sp>
+    </p:spTree>
+    <p:extLst>
+      <p:ext uri="{BB962C8B-B14F-4D97-AF65-F5344CB8AC3E}">
+        <p14:creationId xmlns:p14="http://schemas.microsoft.com/office/powerpoint/2010/main" val="491436786"/>
+      </p:ext>
+    </p:extLst>
+  </p:cSld>
+  <p:clrMapOvr>
+    <a:masterClrMapping/>
+  </p:clrMapOvr>
+</p:sld>
+</file>
+
 <file path=ppt/slides/slide2.xml><?xml version="1.0" encoding="utf-8"?>
 <p:sld xmlns:a="http://schemas.openxmlformats.org/drawingml/2006/main" xmlns:r="http://schemas.openxmlformats.org/officeDocument/2006/relationships" xmlns:p="http://schemas.openxmlformats.org/presentationml/2006/main">
   <p:cSld>
@@ -3243,7 +3810,7 @@
           <a:p>
             <a:r>
               <a:rPr lang="en-US" sz="3200" dirty="0"/>
-              <a:t>How many breweries are in each state?</a:t>
+              <a:t>Was there any missing data?</a:t>
             </a:r>
           </a:p>
         </p:txBody>
@@ -3273,8 +3840,8 @@
               <a:buNone/>
             </a:pPr>
             <a:r>
-              <a:rPr lang="en-US" sz="2000" dirty="0"/>
-              <a:t>Top 5 most breweries per state (in order): </a:t>
+              <a:rPr lang="en-US" sz="1600" dirty="0"/>
+              <a:t>ABV had 62 missing values</a:t>
             </a:r>
           </a:p>
           <a:p>
@@ -3282,9 +3849,365 @@
               <a:buNone/>
             </a:pPr>
             <a:r>
+              <a:rPr lang="en-US" sz="1600" dirty="0"/>
+              <a:t>IBU had 1005 missing values</a:t>
+            </a:r>
+          </a:p>
+          <a:p>
+            <a:pPr marL="0" indent="0">
+              <a:buNone/>
+            </a:pPr>
+            <a:r>
+              <a:rPr lang="en-US" sz="1600" dirty="0"/>
+              <a:t>Style of beer had 5 missing values</a:t>
+            </a:r>
+          </a:p>
+          <a:p>
+            <a:pPr marL="0" indent="0">
+              <a:buNone/>
+            </a:pPr>
+            <a:r>
+              <a:rPr lang="en-US" sz="1600" dirty="0"/>
+              <a:t>	</a:t>
+            </a:r>
+          </a:p>
+          <a:p>
+            <a:pPr marL="0" indent="0">
+              <a:buNone/>
+            </a:pPr>
+            <a:r>
+              <a:rPr lang="en-US" sz="1600" dirty="0"/>
+              <a:t>Initial approach: Web Scraping. Abandoned due to programming limitations.</a:t>
+            </a:r>
+          </a:p>
+          <a:p>
+            <a:pPr marL="0" indent="0">
+              <a:buNone/>
+            </a:pPr>
+            <a:endParaRPr lang="en-US" sz="1600" dirty="0"/>
+          </a:p>
+          <a:p>
+            <a:pPr marL="0" indent="0">
+              <a:buNone/>
+            </a:pPr>
+            <a:r>
+              <a:rPr lang="en-US" sz="1600" dirty="0"/>
+              <a:t>Resolution: Imputation of % ABV and IBU medians </a:t>
+            </a:r>
+            <a:r>
+              <a:rPr lang="en-US" sz="1600" i="1" dirty="0"/>
+              <a:t>per style</a:t>
+            </a:r>
+            <a:r>
+              <a:rPr lang="en-US" sz="1600" dirty="0"/>
+              <a:t>.</a:t>
+            </a:r>
+          </a:p>
+          <a:p>
+            <a:pPr marL="0" indent="0">
+              <a:buNone/>
+            </a:pPr>
+            <a:r>
+              <a:rPr lang="en-US" sz="1600" dirty="0"/>
+              <a:t>	</a:t>
+            </a:r>
+            <a:br>
+              <a:rPr lang="en-US" sz="1600" dirty="0"/>
+            </a:br>
+            <a:r>
+              <a:rPr lang="en-US" sz="1600" dirty="0"/>
+              <a:t>Two exceptions to the imputation approach:</a:t>
+            </a:r>
+            <a:br>
+              <a:rPr lang="en-US" sz="1600" dirty="0"/>
+            </a:br>
+            <a:endParaRPr lang="en-US" sz="1600" dirty="0"/>
+          </a:p>
+          <a:p>
+            <a:pPr marL="0" indent="0">
+              <a:buNone/>
+            </a:pPr>
+            <a:r>
+              <a:rPr lang="en-US" sz="1600" dirty="0"/>
+              <a:t>	1. Missing Style values</a:t>
+            </a:r>
+            <a:br>
+              <a:rPr lang="en-US" sz="1600" dirty="0"/>
+            </a:br>
+            <a:endParaRPr lang="en-US" sz="1600" dirty="0"/>
+          </a:p>
+          <a:p>
+            <a:pPr marL="0" indent="0">
+              <a:buNone/>
+            </a:pPr>
+            <a:r>
+              <a:rPr lang="en-US" sz="1600" dirty="0"/>
+              <a:t>	2. Missing IBU values </a:t>
+            </a:r>
+            <a:r>
+              <a:rPr lang="en-US" sz="1600" i="1" dirty="0"/>
+              <a:t>after</a:t>
+            </a:r>
+            <a:r>
+              <a:rPr lang="en-US" sz="1600" dirty="0"/>
+              <a:t> imputation</a:t>
+            </a:r>
+          </a:p>
+          <a:p>
+            <a:pPr marL="0" indent="0">
+              <a:buNone/>
+            </a:pPr>
+            <a:r>
+              <a:rPr lang="en-US" sz="1600" dirty="0"/>
+              <a:t>		</a:t>
+            </a:r>
+          </a:p>
+        </p:txBody>
+      </p:sp>
+    </p:spTree>
+    <p:extLst>
+      <p:ext uri="{BB962C8B-B14F-4D97-AF65-F5344CB8AC3E}">
+        <p14:creationId xmlns:p14="http://schemas.microsoft.com/office/powerpoint/2010/main" val="1290774240"/>
+      </p:ext>
+    </p:extLst>
+  </p:cSld>
+  <p:clrMapOvr>
+    <a:masterClrMapping/>
+  </p:clrMapOvr>
+</p:sld>
+</file>
+
+<file path=ppt/slides/slide3.xml><?xml version="1.0" encoding="utf-8"?>
+<p:sld xmlns:a="http://schemas.openxmlformats.org/drawingml/2006/main" xmlns:r="http://schemas.openxmlformats.org/officeDocument/2006/relationships" xmlns:p="http://schemas.openxmlformats.org/presentationml/2006/main">
+  <p:cSld>
+    <p:spTree>
+      <p:nvGrpSpPr>
+        <p:cNvPr id="1" name=""/>
+        <p:cNvGrpSpPr/>
+        <p:nvPr/>
+      </p:nvGrpSpPr>
+      <p:grpSpPr>
+        <a:xfrm>
+          <a:off x="0" y="0"/>
+          <a:ext cx="0" cy="0"/>
+          <a:chOff x="0" y="0"/>
+          <a:chExt cx="0" cy="0"/>
+        </a:xfrm>
+      </p:grpSpPr>
+      <p:sp>
+        <p:nvSpPr>
+          <p:cNvPr id="2" name="Title 1">
+            <a:extLst>
+              <a:ext uri="{FF2B5EF4-FFF2-40B4-BE49-F238E27FC236}">
+                <a16:creationId xmlns:a16="http://schemas.microsoft.com/office/drawing/2014/main" id="{5B931770-76C9-F749-9B7D-08A4A1F13896}"/>
+              </a:ext>
+            </a:extLst>
+          </p:cNvPr>
+          <p:cNvSpPr>
+            <a:spLocks noGrp="1"/>
+          </p:cNvSpPr>
+          <p:nvPr>
+            <p:ph type="title"/>
+          </p:nvPr>
+        </p:nvSpPr>
+        <p:spPr/>
+        <p:txBody>
+          <a:bodyPr/>
+          <a:lstStyle/>
+          <a:p>
+            <a:r>
+              <a:rPr lang="en-US" sz="3200" dirty="0"/>
+              <a:t>Was there any missing data? </a:t>
+            </a:r>
+            <a:r>
+              <a:rPr lang="en-US" sz="2400" i="1" dirty="0"/>
+              <a:t>(cont.)</a:t>
+            </a:r>
+            <a:endParaRPr lang="en-US" sz="3200" i="1" dirty="0"/>
+          </a:p>
+        </p:txBody>
+      </p:sp>
+      <p:sp>
+        <p:nvSpPr>
+          <p:cNvPr id="5" name="Content Placeholder 4">
+            <a:extLst>
+              <a:ext uri="{FF2B5EF4-FFF2-40B4-BE49-F238E27FC236}">
+                <a16:creationId xmlns:a16="http://schemas.microsoft.com/office/drawing/2014/main" id="{6BF46E58-A911-48AD-91C9-11B223F947D8}"/>
+              </a:ext>
+            </a:extLst>
+          </p:cNvPr>
+          <p:cNvSpPr>
+            <a:spLocks noGrp="1"/>
+          </p:cNvSpPr>
+          <p:nvPr>
+            <p:ph idx="1"/>
+          </p:nvPr>
+        </p:nvSpPr>
+        <p:spPr>
+          <a:xfrm>
+            <a:off x="457200" y="1437830"/>
+            <a:ext cx="8229600" cy="4525963"/>
+          </a:xfrm>
+        </p:spPr>
+        <p:txBody>
+          <a:bodyPr/>
+          <a:lstStyle/>
+          <a:p>
+            <a:pPr marL="0" indent="0">
+              <a:buNone/>
+            </a:pPr>
+            <a:r>
               <a:rPr lang="en-US" sz="2000" dirty="0"/>
-              <a:t>Colorado, California, Michigan, Oregon and Texas</a:t>
-            </a:r>
+              <a:t>Exception 1 – The five missing Styles:</a:t>
+            </a:r>
+          </a:p>
+          <a:p>
+            <a:r>
+              <a:rPr lang="en-US" sz="2000" dirty="0"/>
+              <a:t>Removed three non-beers.</a:t>
+            </a:r>
+          </a:p>
+          <a:p>
+            <a:r>
+              <a:rPr lang="en-US" sz="2000" dirty="0"/>
+              <a:t>Sourced info from </a:t>
+            </a:r>
+            <a:r>
+              <a:rPr lang="en-US" sz="2000" i="1" dirty="0"/>
+              <a:t>untappd.com</a:t>
+            </a:r>
+            <a:r>
+              <a:rPr lang="en-US" sz="2000" dirty="0"/>
+              <a:t> for remaining.</a:t>
+            </a:r>
+            <a:endParaRPr lang="en-US" sz="1600" i="1" dirty="0"/>
+          </a:p>
+          <a:p>
+            <a:pPr marL="0" indent="0">
+              <a:buNone/>
+            </a:pPr>
+            <a:endParaRPr lang="en-US" sz="2000" dirty="0"/>
+          </a:p>
+          <a:p>
+            <a:pPr marL="0" indent="0">
+              <a:buNone/>
+            </a:pPr>
+            <a:r>
+              <a:rPr lang="en-US" sz="2000" dirty="0"/>
+              <a:t>Exception 2 – 52 missing IBU values:</a:t>
+            </a:r>
+          </a:p>
+          <a:p>
+            <a:r>
+              <a:rPr lang="en-US" sz="2000" dirty="0"/>
+              <a:t>Sourced info from </a:t>
+            </a:r>
+            <a:r>
+              <a:rPr lang="en-US" sz="2000" i="1" dirty="0"/>
+              <a:t>untappd.com</a:t>
+            </a:r>
+            <a:r>
+              <a:rPr lang="en-US" sz="2000" dirty="0"/>
+              <a:t> for three.</a:t>
+            </a:r>
+          </a:p>
+          <a:p>
+            <a:r>
+              <a:rPr lang="en-US" sz="2000" dirty="0"/>
+              <a:t>Non-Alcoholic beer no data found.</a:t>
+            </a:r>
+          </a:p>
+          <a:p>
+            <a:r>
+              <a:rPr lang="en-US" sz="2000" dirty="0"/>
+              <a:t>Remaining beers have no IBU (e.g. Ciders).</a:t>
+            </a:r>
+          </a:p>
+        </p:txBody>
+      </p:sp>
+    </p:spTree>
+    <p:extLst>
+      <p:ext uri="{BB962C8B-B14F-4D97-AF65-F5344CB8AC3E}">
+        <p14:creationId xmlns:p14="http://schemas.microsoft.com/office/powerpoint/2010/main" val="1010931346"/>
+      </p:ext>
+    </p:extLst>
+  </p:cSld>
+  <p:clrMapOvr>
+    <a:masterClrMapping/>
+  </p:clrMapOvr>
+</p:sld>
+</file>
+
+<file path=ppt/slides/slide4.xml><?xml version="1.0" encoding="utf-8"?>
+<p:sld xmlns:a="http://schemas.openxmlformats.org/drawingml/2006/main" xmlns:r="http://schemas.openxmlformats.org/officeDocument/2006/relationships" xmlns:p="http://schemas.openxmlformats.org/presentationml/2006/main">
+  <p:cSld>
+    <p:spTree>
+      <p:nvGrpSpPr>
+        <p:cNvPr id="1" name=""/>
+        <p:cNvGrpSpPr/>
+        <p:nvPr/>
+      </p:nvGrpSpPr>
+      <p:grpSpPr>
+        <a:xfrm>
+          <a:off x="0" y="0"/>
+          <a:ext cx="0" cy="0"/>
+          <a:chOff x="0" y="0"/>
+          <a:chExt cx="0" cy="0"/>
+        </a:xfrm>
+      </p:grpSpPr>
+      <p:sp>
+        <p:nvSpPr>
+          <p:cNvPr id="2" name="Title 1">
+            <a:extLst>
+              <a:ext uri="{FF2B5EF4-FFF2-40B4-BE49-F238E27FC236}">
+                <a16:creationId xmlns:a16="http://schemas.microsoft.com/office/drawing/2014/main" id="{5B931770-76C9-F749-9B7D-08A4A1F13896}"/>
+              </a:ext>
+            </a:extLst>
+          </p:cNvPr>
+          <p:cNvSpPr>
+            <a:spLocks noGrp="1"/>
+          </p:cNvSpPr>
+          <p:nvPr>
+            <p:ph type="title"/>
+          </p:nvPr>
+        </p:nvSpPr>
+        <p:spPr/>
+        <p:txBody>
+          <a:bodyPr/>
+          <a:lstStyle/>
+          <a:p>
+            <a:r>
+              <a:rPr lang="en-US" sz="3200" dirty="0"/>
+              <a:t>How many breweries are in each state?</a:t>
+            </a:r>
+          </a:p>
+        </p:txBody>
+      </p:sp>
+      <p:sp>
+        <p:nvSpPr>
+          <p:cNvPr id="5" name="Content Placeholder 4">
+            <a:extLst>
+              <a:ext uri="{FF2B5EF4-FFF2-40B4-BE49-F238E27FC236}">
+                <a16:creationId xmlns:a16="http://schemas.microsoft.com/office/drawing/2014/main" id="{6BF46E58-A911-48AD-91C9-11B223F947D8}"/>
+              </a:ext>
+            </a:extLst>
+          </p:cNvPr>
+          <p:cNvSpPr>
+            <a:spLocks noGrp="1"/>
+          </p:cNvSpPr>
+          <p:nvPr>
+            <p:ph idx="1"/>
+          </p:nvPr>
+        </p:nvSpPr>
+        <p:spPr/>
+        <p:txBody>
+          <a:bodyPr/>
+          <a:lstStyle/>
+          <a:p>
+            <a:pPr marL="0" indent="0">
+              <a:buNone/>
+            </a:pPr>
+            <a:endParaRPr lang="en-US" sz="2000" dirty="0"/>
           </a:p>
           <a:p>
             <a:endParaRPr lang="en-US" dirty="0"/>
@@ -3324,492 +4247,49 @@
           </a:prstGeom>
         </p:spPr>
       </p:pic>
+      <p:sp>
+        <p:nvSpPr>
+          <p:cNvPr id="3" name="TextBox 2">
+            <a:extLst>
+              <a:ext uri="{FF2B5EF4-FFF2-40B4-BE49-F238E27FC236}">
+                <a16:creationId xmlns:a16="http://schemas.microsoft.com/office/drawing/2014/main" id="{00AD978E-5195-4AC9-BCA5-C9DFEACDF1F6}"/>
+              </a:ext>
+            </a:extLst>
+          </p:cNvPr>
+          <p:cNvSpPr txBox="1"/>
+          <p:nvPr/>
+        </p:nvSpPr>
+        <p:spPr>
+          <a:xfrm>
+            <a:off x="1764940" y="1565636"/>
+            <a:ext cx="5805237" cy="369332"/>
+          </a:xfrm>
+          <a:prstGeom prst="rect">
+            <a:avLst/>
+          </a:prstGeom>
+          <a:noFill/>
+        </p:spPr>
+        <p:txBody>
+          <a:bodyPr wrap="square" rtlCol="0">
+            <a:spAutoFit/>
+          </a:bodyPr>
+          <a:lstStyle/>
+          <a:p>
+            <a:r>
+              <a:rPr lang="en-US" u="sng" dirty="0"/>
+              <a:t>Note: </a:t>
+            </a:r>
+            <a:r>
+              <a:rPr lang="en-US" dirty="0"/>
+              <a:t>West Virginia &amp; DC only have one brewery each.</a:t>
+            </a:r>
+          </a:p>
+        </p:txBody>
+      </p:sp>
     </p:spTree>
     <p:extLst>
       <p:ext uri="{BB962C8B-B14F-4D97-AF65-F5344CB8AC3E}">
         <p14:creationId xmlns:p14="http://schemas.microsoft.com/office/powerpoint/2010/main" val="425588009"/>
-      </p:ext>
-    </p:extLst>
-  </p:cSld>
-  <p:clrMapOvr>
-    <a:masterClrMapping/>
-  </p:clrMapOvr>
-</p:sld>
-</file>
-
-<file path=ppt/slides/slide3.xml><?xml version="1.0" encoding="utf-8"?>
-<p:sld xmlns:a="http://schemas.openxmlformats.org/drawingml/2006/main" xmlns:r="http://schemas.openxmlformats.org/officeDocument/2006/relationships" xmlns:p="http://schemas.openxmlformats.org/presentationml/2006/main">
-  <p:cSld>
-    <p:spTree>
-      <p:nvGrpSpPr>
-        <p:cNvPr id="1" name=""/>
-        <p:cNvGrpSpPr/>
-        <p:nvPr/>
-      </p:nvGrpSpPr>
-      <p:grpSpPr>
-        <a:xfrm>
-          <a:off x="0" y="0"/>
-          <a:ext cx="0" cy="0"/>
-          <a:chOff x="0" y="0"/>
-          <a:chExt cx="0" cy="0"/>
-        </a:xfrm>
-      </p:grpSpPr>
-      <p:sp>
-        <p:nvSpPr>
-          <p:cNvPr id="2" name="Title 1">
-            <a:extLst>
-              <a:ext uri="{FF2B5EF4-FFF2-40B4-BE49-F238E27FC236}">
-                <a16:creationId xmlns:a16="http://schemas.microsoft.com/office/drawing/2014/main" id="{5B931770-76C9-F749-9B7D-08A4A1F13896}"/>
-              </a:ext>
-            </a:extLst>
-          </p:cNvPr>
-          <p:cNvSpPr>
-            <a:spLocks noGrp="1"/>
-          </p:cNvSpPr>
-          <p:nvPr>
-            <p:ph type="title"/>
-          </p:nvPr>
-        </p:nvSpPr>
-        <p:spPr/>
-        <p:txBody>
-          <a:bodyPr/>
-          <a:lstStyle/>
-          <a:p>
-            <a:r>
-              <a:rPr lang="en-US" sz="3200" dirty="0"/>
-              <a:t>Was there any missing data?</a:t>
-            </a:r>
-          </a:p>
-        </p:txBody>
-      </p:sp>
-      <p:sp>
-        <p:nvSpPr>
-          <p:cNvPr id="5" name="Content Placeholder 4">
-            <a:extLst>
-              <a:ext uri="{FF2B5EF4-FFF2-40B4-BE49-F238E27FC236}">
-                <a16:creationId xmlns:a16="http://schemas.microsoft.com/office/drawing/2014/main" id="{6BF46E58-A911-48AD-91C9-11B223F947D8}"/>
-              </a:ext>
-            </a:extLst>
-          </p:cNvPr>
-          <p:cNvSpPr>
-            <a:spLocks noGrp="1"/>
-          </p:cNvSpPr>
-          <p:nvPr>
-            <p:ph idx="1"/>
-          </p:nvPr>
-        </p:nvSpPr>
-        <p:spPr/>
-        <p:txBody>
-          <a:bodyPr/>
-          <a:lstStyle/>
-          <a:p>
-            <a:pPr marL="0" indent="0">
-              <a:buNone/>
-            </a:pPr>
-            <a:r>
-              <a:rPr lang="en-US" sz="1600" dirty="0"/>
-              <a:t>ABV had 62 missing values</a:t>
-            </a:r>
-          </a:p>
-          <a:p>
-            <a:pPr marL="0" indent="0">
-              <a:buNone/>
-            </a:pPr>
-            <a:r>
-              <a:rPr lang="en-US" sz="1600" dirty="0"/>
-              <a:t>IBU had 1005 missing values</a:t>
-            </a:r>
-          </a:p>
-          <a:p>
-            <a:pPr marL="0" indent="0">
-              <a:buNone/>
-            </a:pPr>
-            <a:r>
-              <a:rPr lang="en-US" sz="1600" dirty="0"/>
-              <a:t>Style of beer had 5 missing values</a:t>
-            </a:r>
-          </a:p>
-          <a:p>
-            <a:pPr marL="0" indent="0">
-              <a:buNone/>
-            </a:pPr>
-            <a:r>
-              <a:rPr lang="en-US" sz="1600" dirty="0"/>
-              <a:t>	</a:t>
-            </a:r>
-          </a:p>
-          <a:p>
-            <a:pPr marL="0" indent="0">
-              <a:buNone/>
-            </a:pPr>
-            <a:r>
-              <a:rPr lang="en-US" sz="1600" dirty="0"/>
-              <a:t>Initial approach: Web Scraping. Abandoned due to programming limitations.</a:t>
-            </a:r>
-          </a:p>
-          <a:p>
-            <a:pPr marL="0" indent="0">
-              <a:buNone/>
-            </a:pPr>
-            <a:endParaRPr lang="en-US" sz="1600" dirty="0"/>
-          </a:p>
-          <a:p>
-            <a:pPr marL="0" indent="0">
-              <a:buNone/>
-            </a:pPr>
-            <a:r>
-              <a:rPr lang="en-US" sz="1600" dirty="0"/>
-              <a:t>Resolution: Imputation of % ABV and IBU medians </a:t>
-            </a:r>
-            <a:r>
-              <a:rPr lang="en-US" sz="1600" i="1" dirty="0"/>
-              <a:t>per style</a:t>
-            </a:r>
-            <a:r>
-              <a:rPr lang="en-US" sz="1600" dirty="0"/>
-              <a:t>.</a:t>
-            </a:r>
-          </a:p>
-          <a:p>
-            <a:pPr marL="0" indent="0">
-              <a:buNone/>
-            </a:pPr>
-            <a:r>
-              <a:rPr lang="en-US" sz="1600" dirty="0"/>
-              <a:t>	</a:t>
-            </a:r>
-            <a:br>
-              <a:rPr lang="en-US" sz="1600" dirty="0"/>
-            </a:br>
-            <a:r>
-              <a:rPr lang="en-US" sz="1600" dirty="0"/>
-              <a:t>Two exceptions to the imputation approach:</a:t>
-            </a:r>
-            <a:br>
-              <a:rPr lang="en-US" sz="1600" dirty="0"/>
-            </a:br>
-            <a:endParaRPr lang="en-US" sz="1600" dirty="0"/>
-          </a:p>
-          <a:p>
-            <a:pPr marL="0" indent="0">
-              <a:buNone/>
-            </a:pPr>
-            <a:r>
-              <a:rPr lang="en-US" sz="1600" dirty="0"/>
-              <a:t>	1. Missing Style values</a:t>
-            </a:r>
-            <a:br>
-              <a:rPr lang="en-US" sz="1600" dirty="0"/>
-            </a:br>
-            <a:endParaRPr lang="en-US" sz="1600" dirty="0"/>
-          </a:p>
-          <a:p>
-            <a:pPr marL="0" indent="0">
-              <a:buNone/>
-            </a:pPr>
-            <a:r>
-              <a:rPr lang="en-US" sz="1600" dirty="0"/>
-              <a:t>	2. Missing IBU values </a:t>
-            </a:r>
-            <a:r>
-              <a:rPr lang="en-US" sz="1600" i="1" dirty="0"/>
-              <a:t>after</a:t>
-            </a:r>
-            <a:r>
-              <a:rPr lang="en-US" sz="1600" dirty="0"/>
-              <a:t> imputation</a:t>
-            </a:r>
-          </a:p>
-          <a:p>
-            <a:pPr marL="0" indent="0">
-              <a:buNone/>
-            </a:pPr>
-            <a:r>
-              <a:rPr lang="en-US" sz="1600" dirty="0"/>
-              <a:t>		</a:t>
-            </a:r>
-          </a:p>
-        </p:txBody>
-      </p:sp>
-    </p:spTree>
-    <p:extLst>
-      <p:ext uri="{BB962C8B-B14F-4D97-AF65-F5344CB8AC3E}">
-        <p14:creationId xmlns:p14="http://schemas.microsoft.com/office/powerpoint/2010/main" val="1290774240"/>
-      </p:ext>
-    </p:extLst>
-  </p:cSld>
-  <p:clrMapOvr>
-    <a:masterClrMapping/>
-  </p:clrMapOvr>
-</p:sld>
-</file>
-
-<file path=ppt/slides/slide4.xml><?xml version="1.0" encoding="utf-8"?>
-<p:sld xmlns:a="http://schemas.openxmlformats.org/drawingml/2006/main" xmlns:r="http://schemas.openxmlformats.org/officeDocument/2006/relationships" xmlns:p="http://schemas.openxmlformats.org/presentationml/2006/main">
-  <p:cSld>
-    <p:spTree>
-      <p:nvGrpSpPr>
-        <p:cNvPr id="1" name=""/>
-        <p:cNvGrpSpPr/>
-        <p:nvPr/>
-      </p:nvGrpSpPr>
-      <p:grpSpPr>
-        <a:xfrm>
-          <a:off x="0" y="0"/>
-          <a:ext cx="0" cy="0"/>
-          <a:chOff x="0" y="0"/>
-          <a:chExt cx="0" cy="0"/>
-        </a:xfrm>
-      </p:grpSpPr>
-      <p:sp>
-        <p:nvSpPr>
-          <p:cNvPr id="2" name="Title 1">
-            <a:extLst>
-              <a:ext uri="{FF2B5EF4-FFF2-40B4-BE49-F238E27FC236}">
-                <a16:creationId xmlns:a16="http://schemas.microsoft.com/office/drawing/2014/main" id="{5B931770-76C9-F749-9B7D-08A4A1F13896}"/>
-              </a:ext>
-            </a:extLst>
-          </p:cNvPr>
-          <p:cNvSpPr>
-            <a:spLocks noGrp="1"/>
-          </p:cNvSpPr>
-          <p:nvPr>
-            <p:ph type="title"/>
-          </p:nvPr>
-        </p:nvSpPr>
-        <p:spPr/>
-        <p:txBody>
-          <a:bodyPr/>
-          <a:lstStyle/>
-          <a:p>
-            <a:r>
-              <a:rPr lang="en-US" sz="3200" dirty="0"/>
-              <a:t>Was there any missing data? </a:t>
-            </a:r>
-            <a:r>
-              <a:rPr lang="en-US" sz="2400" i="1" dirty="0"/>
-              <a:t>(cont.)</a:t>
-            </a:r>
-            <a:endParaRPr lang="en-US" sz="3200" i="1" dirty="0"/>
-          </a:p>
-        </p:txBody>
-      </p:sp>
-      <p:sp>
-        <p:nvSpPr>
-          <p:cNvPr id="5" name="Content Placeholder 4">
-            <a:extLst>
-              <a:ext uri="{FF2B5EF4-FFF2-40B4-BE49-F238E27FC236}">
-                <a16:creationId xmlns:a16="http://schemas.microsoft.com/office/drawing/2014/main" id="{6BF46E58-A911-48AD-91C9-11B223F947D8}"/>
-              </a:ext>
-            </a:extLst>
-          </p:cNvPr>
-          <p:cNvSpPr>
-            <a:spLocks noGrp="1"/>
-          </p:cNvSpPr>
-          <p:nvPr>
-            <p:ph idx="1"/>
-          </p:nvPr>
-        </p:nvSpPr>
-        <p:spPr>
-          <a:xfrm>
-            <a:off x="457200" y="1437830"/>
-            <a:ext cx="8229600" cy="4525963"/>
-          </a:xfrm>
-        </p:spPr>
-        <p:txBody>
-          <a:bodyPr/>
-          <a:lstStyle/>
-          <a:p>
-            <a:pPr marL="0" indent="0">
-              <a:buNone/>
-            </a:pPr>
-            <a:r>
-              <a:rPr lang="en-US" sz="1600" dirty="0"/>
-              <a:t>Exception 1 – The five missing Styles:</a:t>
-            </a:r>
-          </a:p>
-          <a:p>
-            <a:pPr marL="0" indent="0">
-              <a:buNone/>
-            </a:pPr>
-            <a:r>
-              <a:rPr lang="en-US" sz="1600" dirty="0"/>
-              <a:t>	</a:t>
-            </a:r>
-            <a:r>
-              <a:rPr lang="en-US" sz="1600" u="sng" dirty="0"/>
-              <a:t>Removed</a:t>
-            </a:r>
-            <a:r>
-              <a:rPr lang="en-US" sz="1600" dirty="0"/>
-              <a:t>: “CROWLER” &amp; “</a:t>
-            </a:r>
-            <a:r>
-              <a:rPr lang="en-US" sz="1600" dirty="0" err="1"/>
-              <a:t>Can’d</a:t>
-            </a:r>
-            <a:r>
-              <a:rPr lang="en-US" sz="1600" dirty="0"/>
-              <a:t> AID Foundation” are NOT beers.</a:t>
-            </a:r>
-            <a:br>
-              <a:rPr lang="en-US" sz="1600" dirty="0"/>
-            </a:br>
-            <a:r>
-              <a:rPr lang="en-US" sz="1600" dirty="0"/>
-              <a:t>	 	“Special Release” is a </a:t>
-            </a:r>
-            <a:r>
-              <a:rPr lang="en-US" sz="1600" i="1" dirty="0"/>
-              <a:t>series</a:t>
-            </a:r>
-            <a:r>
-              <a:rPr lang="en-US" sz="1600" dirty="0"/>
-              <a:t> of beers.</a:t>
-            </a:r>
-          </a:p>
-          <a:p>
-            <a:pPr marL="0" indent="0">
-              <a:buNone/>
-            </a:pPr>
-            <a:endParaRPr lang="en-US" sz="1600" dirty="0"/>
-          </a:p>
-          <a:p>
-            <a:pPr marL="0" indent="0">
-              <a:buNone/>
-            </a:pPr>
-            <a:r>
-              <a:rPr lang="en-US" sz="1600" dirty="0"/>
-              <a:t>	</a:t>
-            </a:r>
-            <a:r>
-              <a:rPr lang="en-US" sz="1600" u="sng" dirty="0"/>
-              <a:t>Manual additions</a:t>
-            </a:r>
-            <a:r>
-              <a:rPr lang="en-US" sz="1600" dirty="0"/>
-              <a:t>: “Oktoberfest” - Freetail Brewing Co.</a:t>
-            </a:r>
-          </a:p>
-          <a:p>
-            <a:pPr marL="0" indent="0">
-              <a:buNone/>
-            </a:pPr>
-            <a:r>
-              <a:rPr lang="en-US" sz="1600" dirty="0"/>
-              <a:t>			“Kilt Lifter” - Four Peaks Brewing Co.</a:t>
-            </a:r>
-          </a:p>
-          <a:p>
-            <a:pPr marL="0" indent="0">
-              <a:buNone/>
-            </a:pPr>
-            <a:r>
-              <a:rPr lang="en-US" sz="1600" dirty="0"/>
-              <a:t>			</a:t>
-            </a:r>
-            <a:r>
-              <a:rPr lang="en-US" sz="1200" dirty="0"/>
-              <a:t>(Sourced data from untappd.com)</a:t>
-            </a:r>
-          </a:p>
-          <a:p>
-            <a:pPr marL="0" indent="0">
-              <a:buNone/>
-            </a:pPr>
-            <a:endParaRPr lang="en-US" sz="1600" dirty="0"/>
-          </a:p>
-          <a:p>
-            <a:pPr marL="0" indent="0">
-              <a:buNone/>
-            </a:pPr>
-            <a:r>
-              <a:rPr lang="en-US" sz="1600" dirty="0"/>
-              <a:t>Exception 2 – 52 missing IBU values:</a:t>
-            </a:r>
-          </a:p>
-          <a:p>
-            <a:pPr marL="0" indent="0">
-              <a:buNone/>
-            </a:pPr>
-            <a:r>
-              <a:rPr lang="en-US" sz="1600" dirty="0"/>
-              <a:t>	</a:t>
-            </a:r>
-            <a:r>
-              <a:rPr lang="en-US" sz="1600" u="sng" dirty="0"/>
-              <a:t>Manual additions</a:t>
-            </a:r>
-            <a:r>
-              <a:rPr lang="en-US" sz="1600" dirty="0"/>
-              <a:t>:	“Golden Frau” – Thunderhead Brewing</a:t>
-            </a:r>
-          </a:p>
-          <a:p>
-            <a:pPr marL="0" indent="0">
-              <a:buNone/>
-            </a:pPr>
-            <a:r>
-              <a:rPr lang="en-US" sz="1600" dirty="0"/>
-              <a:t>			“Southern Cross” – Hawai’i Nui</a:t>
-            </a:r>
-          </a:p>
-          <a:p>
-            <a:pPr marL="0" indent="0">
-              <a:buNone/>
-            </a:pPr>
-            <a:r>
-              <a:rPr lang="en-US" sz="1600" dirty="0"/>
-              <a:t>			“Weiss </a:t>
-            </a:r>
-            <a:r>
-              <a:rPr lang="en-US" sz="1600" dirty="0" err="1"/>
-              <a:t>Weiss</a:t>
-            </a:r>
-            <a:r>
-              <a:rPr lang="en-US" sz="1600" dirty="0"/>
-              <a:t> Baby” – Figueroa Mountain Brewing</a:t>
-            </a:r>
-          </a:p>
-          <a:p>
-            <a:pPr marL="0" indent="0">
-              <a:buNone/>
-            </a:pPr>
-            <a:r>
-              <a:rPr lang="en-US" sz="1200" dirty="0"/>
-              <a:t>				(Sourced data from untappd.com)</a:t>
-            </a:r>
-          </a:p>
-          <a:p>
-            <a:pPr marL="0" indent="0">
-              <a:buNone/>
-            </a:pPr>
-            <a:r>
-              <a:rPr lang="en-US" sz="1600" dirty="0"/>
-              <a:t>	</a:t>
-            </a:r>
-            <a:r>
-              <a:rPr lang="en-US" sz="1600" u="sng" dirty="0"/>
-              <a:t>Remaining beers</a:t>
-            </a:r>
-            <a:r>
-              <a:rPr lang="en-US" sz="1600" dirty="0"/>
-              <a:t>: styles do not have IBU ratings due to lack of hops. </a:t>
-            </a:r>
-            <a:br>
-              <a:rPr lang="en-US" sz="1600" dirty="0"/>
-            </a:br>
-            <a:r>
-              <a:rPr lang="en-US" sz="1600" dirty="0"/>
-              <a:t>			One beer, “Scotty K NA” – Uncommon Brewers, no 			available data found.</a:t>
-            </a:r>
-          </a:p>
-        </p:txBody>
-      </p:sp>
-    </p:spTree>
-    <p:extLst>
-      <p:ext uri="{BB962C8B-B14F-4D97-AF65-F5344CB8AC3E}">
-        <p14:creationId xmlns:p14="http://schemas.microsoft.com/office/powerpoint/2010/main" val="1010931346"/>
       </p:ext>
     </p:extLst>
   </p:cSld>
@@ -3890,14 +4370,7 @@
             </a:pPr>
             <a:r>
               <a:rPr lang="en-US" sz="1800" dirty="0"/>
-              <a:t>Top 5 Median % ABV: Kentucky, DC, West Virginia, New Mexico, Michigan</a:t>
-            </a:r>
-            <a:br>
-              <a:rPr lang="en-US" sz="2000" dirty="0"/>
-            </a:br>
-            <a:r>
-              <a:rPr lang="en-US" sz="1800" dirty="0"/>
-              <a:t>Top 5 Median IBU: Delaware, West Virginia, Minnesota, Mississippi, Vermont</a:t>
+              <a:t>DC in top 5 median ABV, WV in top 5 ABV &amp; IBU. Untapped markets for lower alcohol beers.</a:t>
             </a:r>
             <a:endParaRPr lang="en-US" sz="2000" dirty="0"/>
           </a:p>
@@ -4013,14 +4486,61 @@
         </p:blipFill>
         <p:spPr>
           <a:xfrm>
-            <a:off x="597605" y="1371600"/>
-            <a:ext cx="7948789" cy="5275517"/>
+            <a:off x="1501892" y="2571929"/>
+            <a:ext cx="6140215" cy="4075188"/>
           </a:xfrm>
           <a:prstGeom prst="rect">
             <a:avLst/>
           </a:prstGeom>
         </p:spPr>
       </p:pic>
+      <p:sp>
+        <p:nvSpPr>
+          <p:cNvPr id="3" name="TextBox 2">
+            <a:extLst>
+              <a:ext uri="{FF2B5EF4-FFF2-40B4-BE49-F238E27FC236}">
+                <a16:creationId xmlns:a16="http://schemas.microsoft.com/office/drawing/2014/main" id="{37697C14-6D37-4B2B-86DE-2FEFCCD84E01}"/>
+              </a:ext>
+            </a:extLst>
+          </p:cNvPr>
+          <p:cNvSpPr txBox="1"/>
+          <p:nvPr/>
+        </p:nvSpPr>
+        <p:spPr>
+          <a:xfrm>
+            <a:off x="826476" y="1371600"/>
+            <a:ext cx="7860323" cy="1077218"/>
+          </a:xfrm>
+          <a:prstGeom prst="rect">
+            <a:avLst/>
+          </a:prstGeom>
+          <a:noFill/>
+        </p:spPr>
+        <p:txBody>
+          <a:bodyPr wrap="square" rtlCol="0">
+            <a:spAutoFit/>
+          </a:bodyPr>
+          <a:lstStyle/>
+          <a:p>
+            <a:r>
+              <a:rPr lang="en-US" sz="1600" dirty="0"/>
+              <a:t>Highest ABV = 12.8 %</a:t>
+            </a:r>
+          </a:p>
+          <a:p>
+            <a:r>
+              <a:rPr lang="en-US" sz="1600" dirty="0"/>
+              <a:t>Highest IBU = 138</a:t>
+            </a:r>
+          </a:p>
+          <a:p>
+            <a:r>
+              <a:rPr lang="en-US" sz="1600" dirty="0"/>
+              <a:t>Colorado Highest ABV, and higher-end IBU at 103. How are Budweiser’s sales in this market, only having products with low ABV/IBU? May be an opportunity compete.</a:t>
+            </a:r>
+          </a:p>
+        </p:txBody>
+      </p:sp>
     </p:spTree>
     <p:extLst>
       <p:ext uri="{BB962C8B-B14F-4D97-AF65-F5344CB8AC3E}">
@@ -4109,7 +4629,7 @@
           <a:p>
             <a:r>
               <a:rPr lang="en-US" dirty="0"/>
-              <a:t>Right-skewed with some outliers. 5 - 6% most popular ABV.</a:t>
+              <a:t>Right-skewed with some outliers. 5 - 7% most popular ABV production.</a:t>
             </a:r>
           </a:p>
         </p:txBody>
@@ -4216,7 +4736,7 @@
         <p:spPr>
           <a:xfrm>
             <a:off x="457200" y="1371600"/>
-            <a:ext cx="8229600" cy="1477328"/>
+            <a:ext cx="8229600" cy="1815882"/>
           </a:xfrm>
           <a:prstGeom prst="rect">
             <a:avLst/>
@@ -4230,30 +4750,39 @@
           <a:lstStyle/>
           <a:p>
             <a:r>
-              <a:rPr lang="en-US" dirty="0"/>
-              <a:t>Breweries are making higher % ABV beers with higher IBU. </a:t>
-            </a:r>
-          </a:p>
-          <a:p>
-            <a:endParaRPr lang="en-US" dirty="0"/>
-          </a:p>
-          <a:p>
-            <a:r>
-              <a:rPr lang="en-US" dirty="0"/>
+              <a:rPr lang="en-US" sz="1400" dirty="0"/>
               <a:t>Values are not interdependent:</a:t>
             </a:r>
           </a:p>
           <a:p>
             <a:r>
-              <a:rPr lang="en-US" dirty="0"/>
+              <a:rPr lang="en-US" sz="1400" dirty="0"/>
               <a:t>	% ABV is determined by yeast amount and time to ferment</a:t>
             </a:r>
           </a:p>
           <a:p>
             <a:r>
-              <a:rPr lang="en-US" dirty="0"/>
+              <a:rPr lang="en-US" sz="1400" dirty="0"/>
               <a:t>	IBU is a result of quantity/type of hops</a:t>
             </a:r>
+          </a:p>
+          <a:p>
+            <a:endParaRPr lang="en-US" sz="1400" dirty="0"/>
+          </a:p>
+          <a:p>
+            <a:r>
+              <a:rPr lang="en-US" sz="1400" dirty="0"/>
+              <a:t>Breweries are making higher % ABV beers with higher IBU, with exceptions. Why? </a:t>
+            </a:r>
+          </a:p>
+          <a:p>
+            <a:r>
+              <a:rPr lang="en-US" sz="1400" dirty="0"/>
+              <a:t>Consider surveying to find if customer preferences between the two are related. Does the higher IBU make higher ABV more palatable?</a:t>
+            </a:r>
+          </a:p>
+          <a:p>
+            <a:endParaRPr lang="en-US" sz="1400" dirty="0"/>
           </a:p>
         </p:txBody>
       </p:sp>
@@ -4322,7 +4851,7 @@
           <p:cNvPr id="2" name="Title 1">
             <a:extLst>
               <a:ext uri="{FF2B5EF4-FFF2-40B4-BE49-F238E27FC236}">
-                <a16:creationId xmlns:a16="http://schemas.microsoft.com/office/drawing/2014/main" id="{E35C5164-77DA-41AB-9F46-BFE0C7FD3975}"/>
+                <a16:creationId xmlns:a16="http://schemas.microsoft.com/office/drawing/2014/main" id="{5B931770-76C9-F749-9B7D-08A4A1F13896}"/>
               </a:ext>
             </a:extLst>
           </p:cNvPr>
@@ -4333,114 +4862,526 @@
             <p:ph type="title"/>
           </p:nvPr>
         </p:nvSpPr>
-        <p:spPr/>
+        <p:spPr>
+          <a:xfrm>
+            <a:off x="457200" y="228599"/>
+            <a:ext cx="8229600" cy="1047641"/>
+          </a:xfrm>
+        </p:spPr>
         <p:txBody>
           <a:bodyPr/>
           <a:lstStyle/>
           <a:p>
             <a:r>
-              <a:rPr lang="en-US" dirty="0"/>
-              <a:t>Citations</a:t>
-            </a:r>
-          </a:p>
-        </p:txBody>
-      </p:sp>
-      <p:sp>
-        <p:nvSpPr>
-          <p:cNvPr id="3" name="Content Placeholder 2">
+              <a:rPr lang="en-US" sz="3200" dirty="0"/>
+              <a:t>Prediction Model</a:t>
+            </a:r>
+          </a:p>
+        </p:txBody>
+      </p:sp>
+      <p:grpSp>
+        <p:nvGrpSpPr>
+          <p:cNvPr id="41" name="Group 40">
             <a:extLst>
               <a:ext uri="{FF2B5EF4-FFF2-40B4-BE49-F238E27FC236}">
-                <a16:creationId xmlns:a16="http://schemas.microsoft.com/office/drawing/2014/main" id="{D26F6226-E46A-457D-9DED-55FBC63056AC}"/>
+                <a16:creationId xmlns:a16="http://schemas.microsoft.com/office/drawing/2014/main" id="{F9AE7D85-214B-4387-A18F-B3768EBD574E}"/>
               </a:ext>
             </a:extLst>
           </p:cNvPr>
-          <p:cNvSpPr>
-            <a:spLocks noGrp="1"/>
-          </p:cNvSpPr>
-          <p:nvPr>
-            <p:ph idx="1"/>
-          </p:nvPr>
-        </p:nvSpPr>
-        <p:spPr/>
-        <p:txBody>
-          <a:bodyPr/>
+          <p:cNvGrpSpPr/>
+          <p:nvPr/>
+        </p:nvGrpSpPr>
+        <p:grpSpPr>
+          <a:xfrm>
+            <a:off x="329825" y="1395323"/>
+            <a:ext cx="2130265" cy="2400846"/>
+            <a:chOff x="142949" y="3901081"/>
+            <a:chExt cx="2323525" cy="2679440"/>
+          </a:xfrm>
+        </p:grpSpPr>
+        <p:pic>
+          <p:nvPicPr>
+            <p:cNvPr id="9" name="Picture 8">
+              <a:extLst>
+                <a:ext uri="{FF2B5EF4-FFF2-40B4-BE49-F238E27FC236}">
+                  <a16:creationId xmlns:a16="http://schemas.microsoft.com/office/drawing/2014/main" id="{3F5FBBC5-3CB7-48EF-BC1D-2D22C32045D3}"/>
+                </a:ext>
+              </a:extLst>
+            </p:cNvPr>
+            <p:cNvPicPr>
+              <a:picLocks noChangeAspect="1"/>
+            </p:cNvPicPr>
+            <p:nvPr/>
+          </p:nvPicPr>
+          <p:blipFill>
+            <a:blip r:embed="rId3"/>
+            <a:stretch>
+              <a:fillRect/>
+            </a:stretch>
+          </p:blipFill>
+          <p:spPr>
+            <a:xfrm>
+              <a:off x="142949" y="3901081"/>
+              <a:ext cx="2323525" cy="2679440"/>
+            </a:xfrm>
+            <a:prstGeom prst="rect">
+              <a:avLst/>
+            </a:prstGeom>
+          </p:spPr>
+        </p:pic>
+        <p:sp>
+          <p:nvSpPr>
+            <p:cNvPr id="10" name="Rectangle 9">
+              <a:extLst>
+                <a:ext uri="{FF2B5EF4-FFF2-40B4-BE49-F238E27FC236}">
+                  <a16:creationId xmlns:a16="http://schemas.microsoft.com/office/drawing/2014/main" id="{A3360116-E3B7-45BD-88C3-C24C93B160D4}"/>
+                </a:ext>
+              </a:extLst>
+            </p:cNvPr>
+            <p:cNvSpPr/>
+            <p:nvPr/>
+          </p:nvSpPr>
+          <p:spPr>
+            <a:xfrm>
+              <a:off x="782053" y="5504447"/>
+              <a:ext cx="1124952" cy="222585"/>
+            </a:xfrm>
+            <a:prstGeom prst="rect">
+              <a:avLst/>
+            </a:prstGeom>
+            <a:noFill/>
+            <a:ln>
+              <a:solidFill>
+                <a:srgbClr val="FFC000"/>
+              </a:solidFill>
+            </a:ln>
+          </p:spPr>
+          <p:style>
+            <a:lnRef idx="2">
+              <a:schemeClr val="accent1">
+                <a:shade val="50000"/>
+              </a:schemeClr>
+            </a:lnRef>
+            <a:fillRef idx="1">
+              <a:schemeClr val="accent1"/>
+            </a:fillRef>
+            <a:effectRef idx="0">
+              <a:schemeClr val="accent1"/>
+            </a:effectRef>
+            <a:fontRef idx="minor">
+              <a:schemeClr val="lt1"/>
+            </a:fontRef>
+          </p:style>
+          <p:txBody>
+            <a:bodyPr rtlCol="0" anchor="ctr"/>
+            <a:lstStyle/>
+            <a:p>
+              <a:pPr algn="ctr"/>
+              <a:endParaRPr lang="en-US"/>
+            </a:p>
+          </p:txBody>
+        </p:sp>
+        <p:sp>
+          <p:nvSpPr>
+            <p:cNvPr id="11" name="Rectangle 10">
+              <a:extLst>
+                <a:ext uri="{FF2B5EF4-FFF2-40B4-BE49-F238E27FC236}">
+                  <a16:creationId xmlns:a16="http://schemas.microsoft.com/office/drawing/2014/main" id="{BECD1FED-D19C-4F18-8D92-3AEF969F76BE}"/>
+                </a:ext>
+              </a:extLst>
+            </p:cNvPr>
+            <p:cNvSpPr/>
+            <p:nvPr/>
+          </p:nvSpPr>
+          <p:spPr>
+            <a:xfrm>
+              <a:off x="934453" y="4599494"/>
+              <a:ext cx="972552" cy="110870"/>
+            </a:xfrm>
+            <a:prstGeom prst="rect">
+              <a:avLst/>
+            </a:prstGeom>
+            <a:noFill/>
+            <a:ln>
+              <a:solidFill>
+                <a:srgbClr val="FFC000"/>
+              </a:solidFill>
+            </a:ln>
+          </p:spPr>
+          <p:style>
+            <a:lnRef idx="2">
+              <a:schemeClr val="accent1">
+                <a:shade val="50000"/>
+              </a:schemeClr>
+            </a:lnRef>
+            <a:fillRef idx="1">
+              <a:schemeClr val="accent1"/>
+            </a:fillRef>
+            <a:effectRef idx="0">
+              <a:schemeClr val="accent1"/>
+            </a:effectRef>
+            <a:fontRef idx="minor">
+              <a:schemeClr val="lt1"/>
+            </a:fontRef>
+          </p:style>
+          <p:txBody>
+            <a:bodyPr rtlCol="0" anchor="ctr"/>
+            <a:lstStyle/>
+            <a:p>
+              <a:pPr algn="ctr"/>
+              <a:endParaRPr lang="en-US"/>
+            </a:p>
+          </p:txBody>
+        </p:sp>
+        <p:sp>
+          <p:nvSpPr>
+            <p:cNvPr id="12" name="Rectangle 11">
+              <a:extLst>
+                <a:ext uri="{FF2B5EF4-FFF2-40B4-BE49-F238E27FC236}">
+                  <a16:creationId xmlns:a16="http://schemas.microsoft.com/office/drawing/2014/main" id="{7D6C6CE0-1D92-454F-8EC9-309F8866FD9A}"/>
+                </a:ext>
+              </a:extLst>
+            </p:cNvPr>
+            <p:cNvSpPr/>
+            <p:nvPr/>
+          </p:nvSpPr>
+          <p:spPr>
+            <a:xfrm>
+              <a:off x="219577" y="4093165"/>
+              <a:ext cx="1416718" cy="412808"/>
+            </a:xfrm>
+            <a:prstGeom prst="rect">
+              <a:avLst/>
+            </a:prstGeom>
+            <a:noFill/>
+            <a:ln>
+              <a:solidFill>
+                <a:srgbClr val="FFC000"/>
+              </a:solidFill>
+            </a:ln>
+          </p:spPr>
+          <p:style>
+            <a:lnRef idx="2">
+              <a:schemeClr val="accent1">
+                <a:shade val="50000"/>
+              </a:schemeClr>
+            </a:lnRef>
+            <a:fillRef idx="1">
+              <a:schemeClr val="accent1"/>
+            </a:fillRef>
+            <a:effectRef idx="0">
+              <a:schemeClr val="accent1"/>
+            </a:effectRef>
+            <a:fontRef idx="minor">
+              <a:schemeClr val="lt1"/>
+            </a:fontRef>
+          </p:style>
+          <p:txBody>
+            <a:bodyPr rtlCol="0" anchor="ctr"/>
+            <a:lstStyle/>
+            <a:p>
+              <a:pPr algn="ctr"/>
+              <a:endParaRPr lang="en-US"/>
+            </a:p>
+          </p:txBody>
+        </p:sp>
+      </p:grpSp>
+      <p:sp>
+        <p:nvSpPr>
+          <p:cNvPr id="55" name="TextBox 54">
+            <a:extLst>
+              <a:ext uri="{FF2B5EF4-FFF2-40B4-BE49-F238E27FC236}">
+                <a16:creationId xmlns:a16="http://schemas.microsoft.com/office/drawing/2014/main" id="{BEA39826-36EB-44A7-A5C8-59E88C0AE31D}"/>
+              </a:ext>
+            </a:extLst>
+          </p:cNvPr>
+          <p:cNvSpPr txBox="1"/>
+          <p:nvPr/>
+        </p:nvSpPr>
+        <p:spPr>
+          <a:xfrm>
+            <a:off x="1881778" y="1949010"/>
+            <a:ext cx="643690" cy="230832"/>
+          </a:xfrm>
+          <a:prstGeom prst="rect">
+            <a:avLst/>
+          </a:prstGeom>
+          <a:noFill/>
+        </p:spPr>
+        <p:txBody>
+          <a:bodyPr wrap="square" rtlCol="0">
+            <a:spAutoFit/>
+          </a:bodyPr>
           <a:lstStyle/>
           <a:p>
             <a:r>
-              <a:rPr lang="en-US" sz="1800" dirty="0"/>
-              <a:t>The Untappd Team (n.d.). </a:t>
-            </a:r>
-            <a:r>
-              <a:rPr lang="en-US" sz="1800" dirty="0" err="1"/>
-              <a:t>OktoberFiesta</a:t>
-            </a:r>
-            <a:r>
-              <a:rPr lang="en-US" sz="1800" dirty="0"/>
-              <a:t> - Freetail Brewing Co. Retrieved 	from https://untappd.com/b/freetail-brewing-co-oktoberfiesta/79567</a:t>
-            </a:r>
-          </a:p>
-          <a:p>
-            <a:r>
-              <a:rPr lang="en-US" sz="1800" dirty="0"/>
-              <a:t>The Untappd Team (n.d.). Kilt Lifter - Four Peaks Brewing Company. 	Retrieved from https://untappd.com/b/four-peaks-brewing-company-	kilt-lifter/4055 </a:t>
-            </a:r>
-          </a:p>
-          <a:p>
-            <a:r>
-              <a:rPr lang="en-US" sz="1800" dirty="0"/>
-              <a:t>The Untappd Team (n.d.). Golden Frau - Thunderhead Brewing. Retrieved 	from https://untappd.com/b/thunderhead-brewing-golden-frau/38392</a:t>
-            </a:r>
-          </a:p>
-          <a:p>
-            <a:r>
-              <a:rPr lang="en-US" sz="1800" dirty="0"/>
-              <a:t>The Untappd Team (n.d.). Southern Cross Belgian Double Red Ale - Hawai’i 	Nui Brewing. Retrieved from https://untappd.com/b/hawai-i-nui-	brewing-southern-cross-</a:t>
-            </a:r>
-            <a:r>
-              <a:rPr lang="en-US" sz="1800" dirty="0" err="1"/>
-              <a:t>belgian</a:t>
-            </a:r>
-            <a:r>
-              <a:rPr lang="en-US" sz="1800" dirty="0"/>
-              <a:t>-double-red-ale/29698</a:t>
-            </a:r>
-          </a:p>
-          <a:p>
-            <a:r>
-              <a:rPr lang="en-US" sz="1800" dirty="0"/>
-              <a:t>The Untappd Team (n.d.). Weiss </a:t>
-            </a:r>
-            <a:r>
-              <a:rPr lang="en-US" sz="1800" dirty="0" err="1"/>
-              <a:t>Weiss</a:t>
-            </a:r>
-            <a:r>
-              <a:rPr lang="en-US" sz="1800" dirty="0"/>
-              <a:t> Baby - Figueroa Mountain Brewing 	Co. Retrieved from https://untappd.com/b/figueroa-mountain-brewing-	co-</a:t>
-            </a:r>
-            <a:r>
-              <a:rPr lang="en-US" sz="1800" dirty="0" err="1"/>
-              <a:t>weiss</a:t>
-            </a:r>
-            <a:r>
-              <a:rPr lang="en-US" sz="1800" dirty="0"/>
-              <a:t>-</a:t>
-            </a:r>
-            <a:r>
-              <a:rPr lang="en-US" sz="1800" dirty="0" err="1"/>
-              <a:t>weiss</a:t>
-            </a:r>
-            <a:r>
-              <a:rPr lang="en-US" sz="1800" dirty="0"/>
-              <a:t>-baby/1043342</a:t>
-            </a:r>
-          </a:p>
-        </p:txBody>
-      </p:sp>
+              <a:rPr lang="en-US" sz="900" dirty="0"/>
+              <a:t>Overall</a:t>
+            </a:r>
+          </a:p>
+        </p:txBody>
+      </p:sp>
+      <p:sp>
+        <p:nvSpPr>
+          <p:cNvPr id="56" name="TextBox 55">
+            <a:extLst>
+              <a:ext uri="{FF2B5EF4-FFF2-40B4-BE49-F238E27FC236}">
+                <a16:creationId xmlns:a16="http://schemas.microsoft.com/office/drawing/2014/main" id="{546D2980-277A-4C0C-9C7E-788BCDA11E61}"/>
+              </a:ext>
+            </a:extLst>
+          </p:cNvPr>
+          <p:cNvSpPr txBox="1"/>
+          <p:nvPr/>
+        </p:nvSpPr>
+        <p:spPr>
+          <a:xfrm>
+            <a:off x="1886710" y="2759871"/>
+            <a:ext cx="2009731" cy="200055"/>
+          </a:xfrm>
+          <a:prstGeom prst="rect">
+            <a:avLst/>
+          </a:prstGeom>
+          <a:noFill/>
+        </p:spPr>
+        <p:txBody>
+          <a:bodyPr wrap="square" rtlCol="0">
+            <a:spAutoFit/>
+          </a:bodyPr>
+          <a:lstStyle/>
+          <a:p>
+            <a:r>
+              <a:rPr lang="en-US" sz="700" dirty="0"/>
+              <a:t>Percent of Correctly Classified IPAs</a:t>
+            </a:r>
+          </a:p>
+        </p:txBody>
+      </p:sp>
+      <p:sp>
+        <p:nvSpPr>
+          <p:cNvPr id="57" name="TextBox 56">
+            <a:extLst>
+              <a:ext uri="{FF2B5EF4-FFF2-40B4-BE49-F238E27FC236}">
+                <a16:creationId xmlns:a16="http://schemas.microsoft.com/office/drawing/2014/main" id="{E78EC5C9-B536-4788-B2C6-62B602677DE0}"/>
+              </a:ext>
+            </a:extLst>
+          </p:cNvPr>
+          <p:cNvSpPr txBox="1"/>
+          <p:nvPr/>
+        </p:nvSpPr>
+        <p:spPr>
+          <a:xfrm>
+            <a:off x="1886710" y="2878953"/>
+            <a:ext cx="2394744" cy="200055"/>
+          </a:xfrm>
+          <a:prstGeom prst="rect">
+            <a:avLst/>
+          </a:prstGeom>
+          <a:noFill/>
+        </p:spPr>
+        <p:txBody>
+          <a:bodyPr wrap="square" rtlCol="0">
+            <a:spAutoFit/>
+          </a:bodyPr>
+          <a:lstStyle/>
+          <a:p>
+            <a:r>
+              <a:rPr lang="en-US" sz="700" dirty="0"/>
+              <a:t>Percent of Correctly Classified “Other” Ales</a:t>
+            </a:r>
+          </a:p>
+        </p:txBody>
+      </p:sp>
+      <p:sp>
+        <p:nvSpPr>
+          <p:cNvPr id="59" name="Rectangle 58">
+            <a:extLst>
+              <a:ext uri="{FF2B5EF4-FFF2-40B4-BE49-F238E27FC236}">
+                <a16:creationId xmlns:a16="http://schemas.microsoft.com/office/drawing/2014/main" id="{DAE7B075-0C96-44EC-8980-D03BDF39C810}"/>
+              </a:ext>
+            </a:extLst>
+          </p:cNvPr>
+          <p:cNvSpPr/>
+          <p:nvPr/>
+        </p:nvSpPr>
+        <p:spPr>
+          <a:xfrm>
+            <a:off x="915771" y="2818102"/>
+            <a:ext cx="2904255" cy="99342"/>
+          </a:xfrm>
+          <a:prstGeom prst="rect">
+            <a:avLst/>
+          </a:prstGeom>
+          <a:noFill/>
+          <a:ln w="9525">
+            <a:solidFill>
+              <a:schemeClr val="tx2">
+                <a:lumMod val="60000"/>
+                <a:lumOff val="40000"/>
+              </a:schemeClr>
+            </a:solidFill>
+          </a:ln>
+        </p:spPr>
+        <p:style>
+          <a:lnRef idx="2">
+            <a:schemeClr val="accent1">
+              <a:shade val="50000"/>
+            </a:schemeClr>
+          </a:lnRef>
+          <a:fillRef idx="1">
+            <a:schemeClr val="accent1"/>
+          </a:fillRef>
+          <a:effectRef idx="0">
+            <a:schemeClr val="accent1"/>
+          </a:effectRef>
+          <a:fontRef idx="minor">
+            <a:schemeClr val="lt1"/>
+          </a:fontRef>
+        </p:style>
+        <p:txBody>
+          <a:bodyPr rtlCol="0" anchor="ctr"/>
+          <a:lstStyle/>
+          <a:p>
+            <a:pPr algn="ctr"/>
+            <a:endParaRPr lang="en-US"/>
+          </a:p>
+        </p:txBody>
+      </p:sp>
+      <p:sp>
+        <p:nvSpPr>
+          <p:cNvPr id="60" name="Rectangle 59">
+            <a:extLst>
+              <a:ext uri="{FF2B5EF4-FFF2-40B4-BE49-F238E27FC236}">
+                <a16:creationId xmlns:a16="http://schemas.microsoft.com/office/drawing/2014/main" id="{2897E13A-61B0-4911-8A4F-97062545AA68}"/>
+              </a:ext>
+            </a:extLst>
+          </p:cNvPr>
+          <p:cNvSpPr/>
+          <p:nvPr/>
+        </p:nvSpPr>
+        <p:spPr>
+          <a:xfrm>
+            <a:off x="915771" y="2929689"/>
+            <a:ext cx="2904255" cy="101733"/>
+          </a:xfrm>
+          <a:prstGeom prst="rect">
+            <a:avLst/>
+          </a:prstGeom>
+          <a:noFill/>
+          <a:ln w="9525">
+            <a:solidFill>
+              <a:srgbClr val="00B050"/>
+            </a:solidFill>
+          </a:ln>
+        </p:spPr>
+        <p:style>
+          <a:lnRef idx="2">
+            <a:schemeClr val="accent1">
+              <a:shade val="50000"/>
+            </a:schemeClr>
+          </a:lnRef>
+          <a:fillRef idx="1">
+            <a:schemeClr val="accent1"/>
+          </a:fillRef>
+          <a:effectRef idx="0">
+            <a:schemeClr val="accent1"/>
+          </a:effectRef>
+          <a:fontRef idx="minor">
+            <a:schemeClr val="lt1"/>
+          </a:fontRef>
+        </p:style>
+        <p:txBody>
+          <a:bodyPr rtlCol="0" anchor="ctr"/>
+          <a:lstStyle/>
+          <a:p>
+            <a:pPr algn="ctr"/>
+            <a:endParaRPr lang="en-US"/>
+          </a:p>
+        </p:txBody>
+      </p:sp>
+      <p:sp>
+        <p:nvSpPr>
+          <p:cNvPr id="64" name="TextBox 63">
+            <a:extLst>
+              <a:ext uri="{FF2B5EF4-FFF2-40B4-BE49-F238E27FC236}">
+                <a16:creationId xmlns:a16="http://schemas.microsoft.com/office/drawing/2014/main" id="{7EEBF988-27FF-4B8C-886D-21437243F97A}"/>
+              </a:ext>
+            </a:extLst>
+          </p:cNvPr>
+          <p:cNvSpPr txBox="1"/>
+          <p:nvPr/>
+        </p:nvSpPr>
+        <p:spPr>
+          <a:xfrm>
+            <a:off x="4646309" y="1416207"/>
+            <a:ext cx="2973084" cy="1415772"/>
+          </a:xfrm>
+          <a:prstGeom prst="rect">
+            <a:avLst/>
+          </a:prstGeom>
+          <a:noFill/>
+        </p:spPr>
+        <p:txBody>
+          <a:bodyPr wrap="square" rtlCol="0">
+            <a:spAutoFit/>
+          </a:bodyPr>
+          <a:lstStyle/>
+          <a:p>
+            <a:r>
+              <a:rPr lang="en-US" sz="1400" u="sng" dirty="0"/>
+              <a:t>What this means:</a:t>
+            </a:r>
+          </a:p>
+          <a:p>
+            <a:r>
+              <a:rPr lang="en-US" sz="1200" dirty="0"/>
+              <a:t>Model allows for classification of a beer as an IPA or Other Ale using ABV and IBU, with almost 90% accuracy.</a:t>
+            </a:r>
+          </a:p>
+          <a:p>
+            <a:endParaRPr lang="en-US" sz="1200" dirty="0"/>
+          </a:p>
+          <a:p>
+            <a:r>
+              <a:rPr lang="en-US" sz="1200" dirty="0"/>
+              <a:t>Could be used to make comparisons of either type to other styles.</a:t>
+            </a:r>
+          </a:p>
+        </p:txBody>
+      </p:sp>
+      <p:pic>
+        <p:nvPicPr>
+          <p:cNvPr id="4" name="Picture 3">
+            <a:extLst>
+              <a:ext uri="{FF2B5EF4-FFF2-40B4-BE49-F238E27FC236}">
+                <a16:creationId xmlns:a16="http://schemas.microsoft.com/office/drawing/2014/main" id="{F79CCF3A-7F56-400C-969B-7BFBA0E1BF1C}"/>
+              </a:ext>
+            </a:extLst>
+          </p:cNvPr>
+          <p:cNvPicPr>
+            <a:picLocks noChangeAspect="1"/>
+          </p:cNvPicPr>
+          <p:nvPr/>
+        </p:nvPicPr>
+        <p:blipFill>
+          <a:blip r:embed="rId4"/>
+          <a:stretch>
+            <a:fillRect/>
+          </a:stretch>
+        </p:blipFill>
+        <p:spPr>
+          <a:xfrm>
+            <a:off x="457200" y="3060623"/>
+            <a:ext cx="7820644" cy="3691979"/>
+          </a:xfrm>
+          <a:prstGeom prst="rect">
+            <a:avLst/>
+          </a:prstGeom>
+        </p:spPr>
+      </p:pic>
     </p:spTree>
     <p:extLst>
       <p:ext uri="{BB962C8B-B14F-4D97-AF65-F5344CB8AC3E}">
-        <p14:creationId xmlns:p14="http://schemas.microsoft.com/office/powerpoint/2010/main" val="491436786"/>
+        <p14:creationId xmlns:p14="http://schemas.microsoft.com/office/powerpoint/2010/main" val="998461444"/>
       </p:ext>
     </p:extLst>
   </p:cSld>
